--- a/CPSC-24700/Presentations/session-39.pptx
+++ b/CPSC-24700/Presentations/session-39.pptx
@@ -121,6 +121,10 @@
     </p:ext>
   </p:extLst>
 </p:presentation>
+</file>
+
+<file path=ppt/revisionInfo.xml><?xml version="1.0" encoding="utf-8"?>
+<p1510:revInfo xmlns:a="http://schemas.openxmlformats.org/drawingml/2006/main" xmlns:r="http://schemas.openxmlformats.org/officeDocument/2006/relationships" xmlns:p1510="http://schemas.microsoft.com/office/powerpoint/2015/10/main"/>
 </file>
 
 <file path=ppt/notesMasters/notesMaster1.xml><?xml version="1.0" encoding="utf-8"?>
@@ -5143,7 +5147,7 @@
           <a:p>
             <a:r>
               <a:rPr lang="en-US" sz="3600" dirty="0"/>
-              <a:t>Assignment by Monday, Dec 4</a:t>
+              <a:t>Assignment by Wednesday, Dec 6</a:t>
             </a:r>
           </a:p>
         </p:txBody>
@@ -5191,19 +5195,25 @@
           <a:p>
             <a:r>
               <a:rPr lang="en-US" sz="2000" dirty="0"/>
-              <a:t>Continue to focus on Project 5… which is due one week from today</a:t>
-            </a:r>
-          </a:p>
-          <a:p>
-            <a:r>
-              <a:rPr lang="en-US" sz="2000" dirty="0"/>
-              <a:t>Cloud Computing and MapReduce</a:t>
+              <a:t>Verify the you can access Final Exam Study Guide… let’s do that now</a:t>
             </a:r>
           </a:p>
           <a:p>
             <a:r>
               <a:rPr lang="en-US" sz="2000" dirty="0"/>
               <a:t>Signup for a Project 5 review timeslot for Friday… if you are not already presenting in class</a:t>
+            </a:r>
+          </a:p>
+          <a:p>
+            <a:r>
+              <a:rPr lang="en-US" sz="2000" dirty="0"/>
+              <a:t>Continue to focus on Project 5… which is due one week from today</a:t>
+            </a:r>
+          </a:p>
+          <a:p>
+            <a:r>
+              <a:rPr lang="en-US" sz="2000" dirty="0"/>
+              <a:t>Review Cloud Computing and MapReduce slides</a:t>
             </a:r>
           </a:p>
           <a:p>

--- a/CPSC-24700/Presentations/session-39.pptx
+++ b/CPSC-24700/Presentations/session-39.pptx
@@ -5,7 +5,7 @@
     <p:sldMasterId id="2147483648" r:id="rId1"/>
   </p:sldMasterIdLst>
   <p:notesMasterIdLst>
-    <p:notesMasterId r:id="rId11"/>
+    <p:notesMasterId r:id="rId12"/>
   </p:notesMasterIdLst>
   <p:sldIdLst>
     <p:sldId id="303" r:id="rId2"/>
@@ -13,10 +13,11 @@
     <p:sldId id="305" r:id="rId4"/>
     <p:sldId id="308" r:id="rId5"/>
     <p:sldId id="309" r:id="rId6"/>
-    <p:sldId id="311" r:id="rId7"/>
-    <p:sldId id="310" r:id="rId8"/>
-    <p:sldId id="263" r:id="rId9"/>
-    <p:sldId id="307" r:id="rId10"/>
+    <p:sldId id="314" r:id="rId7"/>
+    <p:sldId id="311" r:id="rId8"/>
+    <p:sldId id="310" r:id="rId9"/>
+    <p:sldId id="263" r:id="rId10"/>
+    <p:sldId id="307" r:id="rId11"/>
   </p:sldIdLst>
   <p:sldSz cx="12192000" cy="6858000"/>
   <p:notesSz cx="7315200" cy="9601200"/>
@@ -560,6 +561,90 @@
 </p:notes>
 </file>
 
+<file path=ppt/notesSlides/notesSlide10.xml><?xml version="1.0" encoding="utf-8"?>
+<p:notes xmlns:a="http://schemas.openxmlformats.org/drawingml/2006/main" xmlns:r="http://schemas.openxmlformats.org/officeDocument/2006/relationships" xmlns:p="http://schemas.openxmlformats.org/presentationml/2006/main">
+  <p:cSld>
+    <p:spTree>
+      <p:nvGrpSpPr>
+        <p:cNvPr id="1" name=""/>
+        <p:cNvGrpSpPr/>
+        <p:nvPr/>
+      </p:nvGrpSpPr>
+      <p:grpSpPr>
+        <a:xfrm>
+          <a:off x="0" y="0"/>
+          <a:ext cx="0" cy="0"/>
+          <a:chOff x="0" y="0"/>
+          <a:chExt cx="0" cy="0"/>
+        </a:xfrm>
+      </p:grpSpPr>
+      <p:sp>
+        <p:nvSpPr>
+          <p:cNvPr id="2" name="Slide Image Placeholder 1"/>
+          <p:cNvSpPr>
+            <a:spLocks noGrp="1" noRot="1" noChangeAspect="1"/>
+          </p:cNvSpPr>
+          <p:nvPr>
+            <p:ph type="sldImg"/>
+          </p:nvPr>
+        </p:nvSpPr>
+        <p:spPr/>
+      </p:sp>
+      <p:sp>
+        <p:nvSpPr>
+          <p:cNvPr id="3" name="Notes Placeholder 2"/>
+          <p:cNvSpPr>
+            <a:spLocks noGrp="1"/>
+          </p:cNvSpPr>
+          <p:nvPr>
+            <p:ph type="body" idx="1"/>
+          </p:nvPr>
+        </p:nvSpPr>
+        <p:spPr/>
+        <p:txBody>
+          <a:bodyPr/>
+          <a:lstStyle/>
+          <a:p>
+            <a:endParaRPr lang="en-US" sz="1000" dirty="0"/>
+          </a:p>
+        </p:txBody>
+      </p:sp>
+      <p:sp>
+        <p:nvSpPr>
+          <p:cNvPr id="4" name="Slide Number Placeholder 3"/>
+          <p:cNvSpPr>
+            <a:spLocks noGrp="1"/>
+          </p:cNvSpPr>
+          <p:nvPr>
+            <p:ph type="sldNum" sz="quarter" idx="10"/>
+          </p:nvPr>
+        </p:nvSpPr>
+        <p:spPr/>
+        <p:txBody>
+          <a:bodyPr/>
+          <a:lstStyle/>
+          <a:p>
+            <a:fld id="{23B99BB9-C7F6-43B3-A122-46088ABB36FB}" type="slidenum">
+              <a:rPr lang="en-US" smtClean="0"/>
+              <a:t>10</a:t>
+            </a:fld>
+            <a:endParaRPr lang="en-US"/>
+          </a:p>
+        </p:txBody>
+      </p:sp>
+    </p:spTree>
+    <p:extLst>
+      <p:ext uri="{BB962C8B-B14F-4D97-AF65-F5344CB8AC3E}">
+        <p14:creationId xmlns:p14="http://schemas.microsoft.com/office/powerpoint/2010/main" val="1303942175"/>
+      </p:ext>
+    </p:extLst>
+  </p:cSld>
+  <p:clrMapOvr>
+    <a:masterClrMapping/>
+  </p:clrMapOvr>
+</p:notes>
+</file>
+
 <file path=ppt/notesSlides/notesSlide2.xml><?xml version="1.0" encoding="utf-8"?>
 <p:notes xmlns:a="http://schemas.openxmlformats.org/drawingml/2006/main" xmlns:r="http://schemas.openxmlformats.org/officeDocument/2006/relationships" xmlns:p="http://schemas.openxmlformats.org/presentationml/2006/main">
   <p:cSld>
@@ -861,13 +946,48 @@
           <a:p>
             <a:r>
               <a:rPr lang="en-US" dirty="0"/>
-              <a:t>I would like to include the work that you did on the Azure Labs in the Project 5 grade</a:t>
-            </a:r>
+              <a:t>Although our text book, lecture, quiz, and test materials were very consistent with previous classes… our projects have exposed us to subjects and materials that are substantially beyond what would be required… particularly in the area of Azure cloud, Git, Database deployment and implementation</a:t>
+            </a:r>
+          </a:p>
+          <a:p>
+            <a:endParaRPr lang="en-US" dirty="0"/>
           </a:p>
           <a:p>
             <a:r>
               <a:rPr lang="en-US" dirty="0"/>
-              <a:t>Other ideas</a:t>
+              <a:t>Reward your for your efforts</a:t>
+            </a:r>
+          </a:p>
+          <a:p>
+            <a:endParaRPr lang="en-US" dirty="0"/>
+          </a:p>
+          <a:p>
+            <a:r>
+              <a:rPr lang="en-US" dirty="0"/>
+              <a:t>I would like to include the work that you did on the Azure Labs 12, 13, and 14 in the Project 5 grade… </a:t>
+            </a:r>
+          </a:p>
+          <a:p>
+            <a:endParaRPr lang="en-US" dirty="0"/>
+          </a:p>
+          <a:p>
+            <a:r>
+              <a:rPr lang="en-US" dirty="0"/>
+              <a:t>Suggestion: This type of work that requires precision on a short timeline and mistakes are difficult to recover from are good candidates for paired programming…. Feel free to </a:t>
+            </a:r>
+            <a:r>
+              <a:rPr lang="en-US"/>
+              <a:t>work together.</a:t>
+            </a:r>
+            <a:endParaRPr lang="en-US" dirty="0"/>
+          </a:p>
+          <a:p>
+            <a:endParaRPr lang="en-US" dirty="0"/>
+          </a:p>
+          <a:p>
+            <a:r>
+              <a:rPr lang="en-US" dirty="0"/>
+              <a:t>Other ideas…</a:t>
             </a:r>
           </a:p>
         </p:txBody>
@@ -952,6 +1072,75 @@
           <a:bodyPr/>
           <a:lstStyle/>
           <a:p>
+            <a:r>
+              <a:rPr lang="en-US" sz="1000" dirty="0"/>
+              <a:t>Mean.js or PHP</a:t>
+            </a:r>
+          </a:p>
+          <a:p>
+            <a:r>
+              <a:rPr lang="en-US" sz="1000" dirty="0"/>
+              <a:t>Completed Labs 12, 13, and 14… running Lab 14 local and on Azure</a:t>
+            </a:r>
+          </a:p>
+          <a:p>
+            <a:r>
+              <a:rPr lang="en-US" sz="1000" dirty="0"/>
+              <a:t>Plus something unique from your contact manager project</a:t>
+            </a:r>
+          </a:p>
+          <a:p>
+            <a:endParaRPr lang="en-US" sz="1000" dirty="0"/>
+          </a:p>
+          <a:p>
+            <a:r>
+              <a:rPr lang="en-US" sz="1000" dirty="0"/>
+              <a:t>Submit your project during class on Wednesday… however, I will not be reviewing/grading them on Friday/Monday.</a:t>
+            </a:r>
+          </a:p>
+          <a:p>
+            <a:endParaRPr lang="en-US" sz="1000" dirty="0"/>
+          </a:p>
+          <a:p>
+            <a:r>
+              <a:rPr lang="en-US" sz="1000" dirty="0"/>
+              <a:t>Thoughts?</a:t>
+            </a:r>
+          </a:p>
+          <a:p>
+            <a:endParaRPr lang="en-US" sz="1000" dirty="0"/>
+          </a:p>
+          <a:p>
+            <a:r>
+              <a:rPr lang="en-US" sz="1000" dirty="0"/>
+              <a:t>URL to sample implementation:</a:t>
+            </a:r>
+          </a:p>
+          <a:p>
+            <a:r>
+              <a:rPr lang="en-US" sz="1200" b="0" i="0" kern="1200">
+                <a:solidFill>
+                  <a:schemeClr val="tx1"/>
+                </a:solidFill>
+                <a:effectLst/>
+                <a:latin typeface="+mn-lt"/>
+                <a:ea typeface="+mn-ea"/>
+                <a:cs typeface="+mn-cs"/>
+                <a:hlinkClick r:id="rId3"/>
+              </a:rPr>
+              <a:t>http://myejp-meanjs.azurewebsites.net/</a:t>
+            </a:r>
+            <a:endParaRPr lang="en-US" sz="1200" b="0" i="0" kern="1200">
+              <a:solidFill>
+                <a:schemeClr val="tx1"/>
+              </a:solidFill>
+              <a:effectLst/>
+              <a:latin typeface="+mn-lt"/>
+              <a:ea typeface="+mn-ea"/>
+              <a:cs typeface="+mn-cs"/>
+            </a:endParaRPr>
+          </a:p>
+          <a:p>
             <a:endParaRPr lang="en-US" sz="1000" dirty="0"/>
           </a:p>
         </p:txBody>
@@ -982,7 +1171,7 @@
     </p:spTree>
     <p:extLst>
       <p:ext uri="{BB962C8B-B14F-4D97-AF65-F5344CB8AC3E}">
-        <p14:creationId xmlns:p14="http://schemas.microsoft.com/office/powerpoint/2010/main" val="4182334924"/>
+        <p14:creationId xmlns:p14="http://schemas.microsoft.com/office/powerpoint/2010/main" val="606388175"/>
       </p:ext>
     </p:extLst>
   </p:cSld>
@@ -1036,7 +1225,7 @@
           <a:bodyPr/>
           <a:lstStyle/>
           <a:p>
-            <a:endParaRPr lang="en-US" dirty="0"/>
+            <a:endParaRPr lang="en-US" sz="1000" dirty="0"/>
           </a:p>
         </p:txBody>
       </p:sp>
@@ -1055,18 +1244,18 @@
           <a:bodyPr/>
           <a:lstStyle/>
           <a:p>
-            <a:fld id="{5394DE12-7B9B-46AA-AC19-C30A49928B9B}" type="slidenum">
+            <a:fld id="{23B99BB9-C7F6-43B3-A122-46088ABB36FB}" type="slidenum">
               <a:rPr lang="en-US" smtClean="0"/>
               <a:t>7</a:t>
             </a:fld>
-            <a:endParaRPr lang="en-US" dirty="0"/>
+            <a:endParaRPr lang="en-US"/>
           </a:p>
         </p:txBody>
       </p:sp>
     </p:spTree>
     <p:extLst>
       <p:ext uri="{BB962C8B-B14F-4D97-AF65-F5344CB8AC3E}">
-        <p14:creationId xmlns:p14="http://schemas.microsoft.com/office/powerpoint/2010/main" val="1997365436"/>
+        <p14:creationId xmlns:p14="http://schemas.microsoft.com/office/powerpoint/2010/main" val="4182334924"/>
       </p:ext>
     </p:extLst>
   </p:cSld>
@@ -1150,7 +1339,7 @@
     </p:spTree>
     <p:extLst>
       <p:ext uri="{BB962C8B-B14F-4D97-AF65-F5344CB8AC3E}">
-        <p14:creationId xmlns:p14="http://schemas.microsoft.com/office/powerpoint/2010/main" val="3850776935"/>
+        <p14:creationId xmlns:p14="http://schemas.microsoft.com/office/powerpoint/2010/main" val="1997365436"/>
       </p:ext>
     </p:extLst>
   </p:cSld>
@@ -1204,7 +1393,7 @@
           <a:bodyPr/>
           <a:lstStyle/>
           <a:p>
-            <a:endParaRPr lang="en-US" sz="1000" dirty="0"/>
+            <a:endParaRPr lang="en-US" dirty="0"/>
           </a:p>
         </p:txBody>
       </p:sp>
@@ -1223,18 +1412,18 @@
           <a:bodyPr/>
           <a:lstStyle/>
           <a:p>
-            <a:fld id="{23B99BB9-C7F6-43B3-A122-46088ABB36FB}" type="slidenum">
+            <a:fld id="{5394DE12-7B9B-46AA-AC19-C30A49928B9B}" type="slidenum">
               <a:rPr lang="en-US" smtClean="0"/>
               <a:t>9</a:t>
             </a:fld>
-            <a:endParaRPr lang="en-US"/>
+            <a:endParaRPr lang="en-US" dirty="0"/>
           </a:p>
         </p:txBody>
       </p:sp>
     </p:spTree>
     <p:extLst>
       <p:ext uri="{BB962C8B-B14F-4D97-AF65-F5344CB8AC3E}">
-        <p14:creationId xmlns:p14="http://schemas.microsoft.com/office/powerpoint/2010/main" val="1303942175"/>
+        <p14:creationId xmlns:p14="http://schemas.microsoft.com/office/powerpoint/2010/main" val="3850776935"/>
       </p:ext>
     </p:extLst>
   </p:cSld>
@@ -4526,7 +4715,7 @@
         <p:spPr/>
         <p:txBody>
           <a:bodyPr>
-            <a:normAutofit/>
+            <a:normAutofit lnSpcReduction="10000"/>
           </a:bodyPr>
           <a:lstStyle/>
           <a:p>
@@ -4575,7 +4764,7 @@
             </a:pPr>
             <a:r>
               <a:rPr lang="en-US" sz="2000" dirty="0"/>
-              <a:t>Cloud Computing &amp; Map Reduce</a:t>
+              <a:t>Quick Introduction to Cloud Computing &amp; Map Reduce</a:t>
             </a:r>
           </a:p>
           <a:p>
@@ -4604,6 +4793,16 @@
             <a:r>
               <a:rPr lang="en-US" sz="2000" dirty="0"/>
               <a:t>, Daniel (Bewley) / Jimmy, and Ryan? </a:t>
+            </a:r>
+          </a:p>
+          <a:p>
+            <a:pPr marL="457200" indent="-457200">
+              <a:buFont typeface="+mj-lt"/>
+              <a:buAutoNum type="arabicPeriod"/>
+            </a:pPr>
+            <a:r>
+              <a:rPr lang="en-US" sz="2000" dirty="0"/>
+              <a:t>Today’s Assignment</a:t>
             </a:r>
           </a:p>
           <a:p>
@@ -4685,6 +4884,166 @@
     <p:extLst>
       <p:ext uri="{BB962C8B-B14F-4D97-AF65-F5344CB8AC3E}">
         <p14:creationId xmlns:p14="http://schemas.microsoft.com/office/powerpoint/2010/main" val="3265454097"/>
+      </p:ext>
+    </p:extLst>
+  </p:cSld>
+  <p:clrMapOvr>
+    <a:masterClrMapping/>
+  </p:clrMapOvr>
+</p:sld>
+</file>
+
+<file path=ppt/slides/slide10.xml><?xml version="1.0" encoding="utf-8"?>
+<p:sld xmlns:a="http://schemas.openxmlformats.org/drawingml/2006/main" xmlns:r="http://schemas.openxmlformats.org/officeDocument/2006/relationships" xmlns:p="http://schemas.openxmlformats.org/presentationml/2006/main">
+  <p:cSld>
+    <p:spTree>
+      <p:nvGrpSpPr>
+        <p:cNvPr id="1" name=""/>
+        <p:cNvGrpSpPr/>
+        <p:nvPr/>
+      </p:nvGrpSpPr>
+      <p:grpSpPr>
+        <a:xfrm>
+          <a:off x="0" y="0"/>
+          <a:ext cx="0" cy="0"/>
+          <a:chOff x="0" y="0"/>
+          <a:chExt cx="0" cy="0"/>
+        </a:xfrm>
+      </p:grpSpPr>
+      <p:sp>
+        <p:nvSpPr>
+          <p:cNvPr id="4" name="Title 1">
+            <a:extLst>
+              <a:ext uri="{FF2B5EF4-FFF2-40B4-BE49-F238E27FC236}">
+                <a16:creationId xmlns:a16="http://schemas.microsoft.com/office/drawing/2014/main" id="{527CE47F-3EF6-48CA-9239-E8B6E5C6B41A}"/>
+              </a:ext>
+            </a:extLst>
+          </p:cNvPr>
+          <p:cNvSpPr>
+            <a:spLocks noGrp="1"/>
+          </p:cNvSpPr>
+          <p:nvPr>
+            <p:ph type="title"/>
+          </p:nvPr>
+        </p:nvSpPr>
+        <p:spPr>
+          <a:xfrm>
+            <a:off x="838200" y="365125"/>
+            <a:ext cx="10515600" cy="1325563"/>
+          </a:xfrm>
+        </p:spPr>
+        <p:txBody>
+          <a:bodyPr>
+            <a:normAutofit/>
+          </a:bodyPr>
+          <a:lstStyle/>
+          <a:p>
+            <a:r>
+              <a:rPr lang="en-US" sz="3600" dirty="0"/>
+              <a:t>Assignment by Friday, Dec 1</a:t>
+            </a:r>
+          </a:p>
+        </p:txBody>
+      </p:sp>
+      <p:sp>
+        <p:nvSpPr>
+          <p:cNvPr id="5" name="Content Placeholder 2">
+            <a:extLst>
+              <a:ext uri="{FF2B5EF4-FFF2-40B4-BE49-F238E27FC236}">
+                <a16:creationId xmlns:a16="http://schemas.microsoft.com/office/drawing/2014/main" id="{E8F0EA9A-219C-40FD-AE36-784EE1B77D56}"/>
+              </a:ext>
+            </a:extLst>
+          </p:cNvPr>
+          <p:cNvSpPr>
+            <a:spLocks noGrp="1"/>
+          </p:cNvSpPr>
+          <p:nvPr>
+            <p:ph idx="1"/>
+          </p:nvPr>
+        </p:nvSpPr>
+        <p:spPr>
+          <a:xfrm>
+            <a:off x="838198" y="1525772"/>
+            <a:ext cx="10515601" cy="4651191"/>
+          </a:xfrm>
+        </p:spPr>
+        <p:txBody>
+          <a:bodyPr>
+            <a:normAutofit/>
+          </a:bodyPr>
+          <a:lstStyle/>
+          <a:p>
+            <a:pPr marL="0" indent="0">
+              <a:spcBef>
+                <a:spcPts val="4800"/>
+              </a:spcBef>
+              <a:buNone/>
+            </a:pPr>
+            <a:r>
+              <a:rPr lang="en-US" sz="2000" u="sng" dirty="0"/>
+              <a:t>Assignment:</a:t>
+            </a:r>
+            <a:endParaRPr lang="en-US" sz="2000" dirty="0"/>
+          </a:p>
+          <a:p>
+            <a:r>
+              <a:rPr lang="en-US" sz="2000" dirty="0"/>
+              <a:t>Ch.13.1 to 13.6 on Web Application access to Databases</a:t>
+            </a:r>
+          </a:p>
+          <a:p>
+            <a:r>
+              <a:rPr lang="en-US" sz="2000" dirty="0"/>
+              <a:t>Work on Project 5 &amp; Labs</a:t>
+            </a:r>
+          </a:p>
+          <a:p>
+            <a:r>
+              <a:rPr lang="en-US" sz="2000" dirty="0"/>
+              <a:t>Complete </a:t>
+            </a:r>
+          </a:p>
+          <a:p>
+            <a:pPr marL="0" indent="0">
+              <a:buNone/>
+            </a:pPr>
+            <a:r>
+              <a:rPr lang="en-US" sz="2000" dirty="0"/>
+              <a:t>	Week 12 Lab: Static Website in Azure</a:t>
+            </a:r>
+          </a:p>
+          <a:p>
+            <a:pPr marL="0" indent="0">
+              <a:buNone/>
+            </a:pPr>
+            <a:r>
+              <a:rPr lang="en-US" sz="2000" dirty="0"/>
+              <a:t>	Week 13a Lab: Create a </a:t>
+            </a:r>
+            <a:r>
+              <a:rPr lang="nl-NL" sz="2000" dirty="0"/>
+              <a:t>Node.js web in Azure OR</a:t>
+            </a:r>
+          </a:p>
+          <a:p>
+            <a:pPr marL="0" indent="0">
+              <a:buNone/>
+            </a:pPr>
+            <a:r>
+              <a:rPr lang="nl-NL" sz="2000" dirty="0"/>
+              <a:t>	</a:t>
+            </a:r>
+            <a:r>
+              <a:rPr lang="en-US" sz="2000" dirty="0"/>
+              <a:t>Week 13b Lab: Create a PHP web app in Azure </a:t>
+            </a:r>
+          </a:p>
+        </p:txBody>
+      </p:sp>
+    </p:spTree>
+    <p:extLst>
+      <p:ext uri="{BB962C8B-B14F-4D97-AF65-F5344CB8AC3E}">
+        <p14:creationId xmlns:p14="http://schemas.microsoft.com/office/powerpoint/2010/main" val="892811373"/>
       </p:ext>
     </p:extLst>
   </p:cSld>
@@ -5147,99 +5506,534 @@
           <a:p>
             <a:r>
               <a:rPr lang="en-US" sz="3600" dirty="0"/>
-              <a:t>Assignment by Wednesday, Dec 6</a:t>
-            </a:r>
-          </a:p>
-        </p:txBody>
-      </p:sp>
-      <p:sp>
-        <p:nvSpPr>
-          <p:cNvPr id="5" name="Content Placeholder 2">
-            <a:extLst>
-              <a:ext uri="{FF2B5EF4-FFF2-40B4-BE49-F238E27FC236}">
-                <a16:creationId xmlns:a16="http://schemas.microsoft.com/office/drawing/2014/main" id="{E8F0EA9A-219C-40FD-AE36-784EE1B77D56}"/>
-              </a:ext>
-            </a:extLst>
-          </p:cNvPr>
-          <p:cNvSpPr>
-            <a:spLocks noGrp="1"/>
-          </p:cNvSpPr>
-          <p:nvPr>
-            <p:ph idx="1"/>
-          </p:nvPr>
-        </p:nvSpPr>
+              <a:t>What does Project 5 Success Look Like… Proposed</a:t>
+            </a:r>
+          </a:p>
+        </p:txBody>
+      </p:sp>
+      <p:pic>
+        <p:nvPicPr>
+          <p:cNvPr id="9" name="Picture 8">
+            <a:extLst>
+              <a:ext uri="{FF2B5EF4-FFF2-40B4-BE49-F238E27FC236}">
+                <a16:creationId xmlns:a16="http://schemas.microsoft.com/office/drawing/2014/main" id="{74ADDAE4-4AFC-4878-9B48-554078F2745B}"/>
+              </a:ext>
+            </a:extLst>
+          </p:cNvPr>
+          <p:cNvPicPr>
+            <a:picLocks noChangeAspect="1"/>
+          </p:cNvPicPr>
+          <p:nvPr/>
+        </p:nvPicPr>
+        <p:blipFill>
+          <a:blip r:embed="rId3">
+            <a:extLst>
+              <a:ext uri="{28A0092B-C50C-407E-A947-70E740481C1C}">
+                <a14:useLocalDpi xmlns:a14="http://schemas.microsoft.com/office/drawing/2010/main" val="0"/>
+              </a:ext>
+            </a:extLst>
+          </a:blip>
+          <a:stretch>
+            <a:fillRect/>
+          </a:stretch>
+        </p:blipFill>
         <p:spPr>
           <a:xfrm>
-            <a:off x="838198" y="1525772"/>
-            <a:ext cx="10515601" cy="4651191"/>
+            <a:off x="377345" y="1466722"/>
+            <a:ext cx="6358790" cy="4240607"/>
           </a:xfrm>
+          <a:prstGeom prst="rect">
+            <a:avLst/>
+          </a:prstGeom>
         </p:spPr>
-        <p:txBody>
-          <a:bodyPr>
-            <a:normAutofit/>
-          </a:bodyPr>
-          <a:lstStyle/>
-          <a:p>
-            <a:pPr marL="0" indent="0">
-              <a:spcBef>
-                <a:spcPts val="4800"/>
-              </a:spcBef>
-              <a:buNone/>
-            </a:pPr>
-            <a:r>
-              <a:rPr lang="en-US" sz="2000" u="sng" dirty="0"/>
-              <a:t>Assignment:</a:t>
-            </a:r>
-            <a:endParaRPr lang="en-US" sz="2000" dirty="0"/>
-          </a:p>
-          <a:p>
-            <a:r>
-              <a:rPr lang="en-US" sz="2000" dirty="0"/>
-              <a:t>Verify the you can access Final Exam Study Guide… let’s do that now</a:t>
-            </a:r>
-          </a:p>
-          <a:p>
-            <a:r>
-              <a:rPr lang="en-US" sz="2000" dirty="0"/>
-              <a:t>Signup for a Project 5 review timeslot for Friday… if you are not already presenting in class</a:t>
-            </a:r>
-          </a:p>
-          <a:p>
-            <a:r>
-              <a:rPr lang="en-US" sz="2000" dirty="0"/>
-              <a:t>Continue to focus on Project 5… which is due one week from today</a:t>
-            </a:r>
-          </a:p>
-          <a:p>
-            <a:r>
-              <a:rPr lang="en-US" sz="2000" dirty="0"/>
-              <a:t>Review Cloud Computing and MapReduce slides</a:t>
-            </a:r>
-          </a:p>
-          <a:p>
-            <a:pPr marL="0" indent="0">
-              <a:buNone/>
-            </a:pPr>
-            <a:endParaRPr lang="en-US" sz="2000" dirty="0"/>
-          </a:p>
-          <a:p>
-            <a:pPr marL="0" indent="0">
-              <a:buNone/>
-            </a:pPr>
-            <a:endParaRPr lang="en-US" sz="2000" dirty="0"/>
+      </p:pic>
+      <p:pic>
+        <p:nvPicPr>
+          <p:cNvPr id="6" name="Picture 5">
+            <a:extLst>
+              <a:ext uri="{FF2B5EF4-FFF2-40B4-BE49-F238E27FC236}">
+                <a16:creationId xmlns:a16="http://schemas.microsoft.com/office/drawing/2014/main" id="{DE940D0D-D084-4E2A-A8B4-7A52859753F6}"/>
+              </a:ext>
+            </a:extLst>
+          </p:cNvPr>
+          <p:cNvPicPr>
+            <a:picLocks noChangeAspect="1"/>
+          </p:cNvPicPr>
+          <p:nvPr/>
+        </p:nvPicPr>
+        <p:blipFill>
+          <a:blip r:embed="rId4"/>
+          <a:stretch>
+            <a:fillRect/>
+          </a:stretch>
+        </p:blipFill>
+        <p:spPr>
+          <a:xfrm>
+            <a:off x="5666929" y="2184742"/>
+            <a:ext cx="6134654" cy="4050362"/>
+          </a:xfrm>
+          <a:prstGeom prst="rect">
+            <a:avLst/>
+          </a:prstGeom>
+        </p:spPr>
+      </p:pic>
+      <p:sp>
+        <p:nvSpPr>
+          <p:cNvPr id="10" name="Rectangle 9">
+            <a:extLst>
+              <a:ext uri="{FF2B5EF4-FFF2-40B4-BE49-F238E27FC236}">
+                <a16:creationId xmlns:a16="http://schemas.microsoft.com/office/drawing/2014/main" id="{05071B0B-5B96-4B17-ACA5-7CD05859A997}"/>
+              </a:ext>
+            </a:extLst>
+          </p:cNvPr>
+          <p:cNvSpPr/>
+          <p:nvPr/>
+        </p:nvSpPr>
+        <p:spPr>
+          <a:xfrm>
+            <a:off x="377345" y="1466722"/>
+            <a:ext cx="864059" cy="289410"/>
+          </a:xfrm>
+          <a:prstGeom prst="rect">
+            <a:avLst/>
+          </a:prstGeom>
+          <a:noFill/>
+          <a:ln w="25400"/>
+        </p:spPr>
+        <p:style>
+          <a:lnRef idx="2">
+            <a:schemeClr val="accent1">
+              <a:shade val="50000"/>
+            </a:schemeClr>
+          </a:lnRef>
+          <a:fillRef idx="1">
+            <a:schemeClr val="accent1"/>
+          </a:fillRef>
+          <a:effectRef idx="0">
+            <a:schemeClr val="accent1"/>
+          </a:effectRef>
+          <a:fontRef idx="minor">
+            <a:schemeClr val="lt1"/>
+          </a:fontRef>
+        </p:style>
+        <p:txBody>
+          <a:bodyPr rtlCol="0" anchor="ctr"/>
+          <a:lstStyle/>
+          <a:p>
+            <a:pPr algn="ctr"/>
+            <a:endParaRPr lang="en-US"/>
+          </a:p>
+        </p:txBody>
+      </p:sp>
+      <p:sp>
+        <p:nvSpPr>
+          <p:cNvPr id="7" name="Rectangle 6">
+            <a:extLst>
+              <a:ext uri="{FF2B5EF4-FFF2-40B4-BE49-F238E27FC236}">
+                <a16:creationId xmlns:a16="http://schemas.microsoft.com/office/drawing/2014/main" id="{F6197B2F-078C-4CF4-B540-D62D4D482880}"/>
+              </a:ext>
+            </a:extLst>
+          </p:cNvPr>
+          <p:cNvSpPr/>
+          <p:nvPr/>
+        </p:nvSpPr>
+        <p:spPr>
+          <a:xfrm>
+            <a:off x="6095999" y="2325362"/>
+            <a:ext cx="1855041" cy="284614"/>
+          </a:xfrm>
+          <a:prstGeom prst="rect">
+            <a:avLst/>
+          </a:prstGeom>
+          <a:noFill/>
+          <a:ln w="25400"/>
+        </p:spPr>
+        <p:style>
+          <a:lnRef idx="2">
+            <a:schemeClr val="accent1">
+              <a:shade val="50000"/>
+            </a:schemeClr>
+          </a:lnRef>
+          <a:fillRef idx="1">
+            <a:schemeClr val="accent1"/>
+          </a:fillRef>
+          <a:effectRef idx="0">
+            <a:schemeClr val="accent1"/>
+          </a:effectRef>
+          <a:fontRef idx="minor">
+            <a:schemeClr val="lt1"/>
+          </a:fontRef>
+        </p:style>
+        <p:txBody>
+          <a:bodyPr rtlCol="0" anchor="ctr"/>
+          <a:lstStyle/>
+          <a:p>
+            <a:pPr algn="ctr"/>
+            <a:endParaRPr lang="en-US"/>
+          </a:p>
+        </p:txBody>
+      </p:sp>
+      <p:sp>
+        <p:nvSpPr>
+          <p:cNvPr id="8" name="Rectangle 7">
+            <a:extLst>
+              <a:ext uri="{FF2B5EF4-FFF2-40B4-BE49-F238E27FC236}">
+                <a16:creationId xmlns:a16="http://schemas.microsoft.com/office/drawing/2014/main" id="{F4D02B5E-B0EB-4A08-B362-B1D7A5D62C65}"/>
+              </a:ext>
+            </a:extLst>
+          </p:cNvPr>
+          <p:cNvSpPr/>
+          <p:nvPr/>
+        </p:nvSpPr>
+        <p:spPr>
+          <a:xfrm>
+            <a:off x="6095999" y="4816494"/>
+            <a:ext cx="5257801" cy="1130134"/>
+          </a:xfrm>
+          <a:prstGeom prst="rect">
+            <a:avLst/>
+          </a:prstGeom>
+          <a:noFill/>
+          <a:ln w="25400"/>
+        </p:spPr>
+        <p:style>
+          <a:lnRef idx="2">
+            <a:schemeClr val="accent1">
+              <a:shade val="50000"/>
+            </a:schemeClr>
+          </a:lnRef>
+          <a:fillRef idx="1">
+            <a:schemeClr val="accent1"/>
+          </a:fillRef>
+          <a:effectRef idx="0">
+            <a:schemeClr val="accent1"/>
+          </a:effectRef>
+          <a:fontRef idx="minor">
+            <a:schemeClr val="lt1"/>
+          </a:fontRef>
+        </p:style>
+        <p:txBody>
+          <a:bodyPr rtlCol="0" anchor="ctr"/>
+          <a:lstStyle/>
+          <a:p>
+            <a:pPr algn="ctr"/>
+            <a:endParaRPr lang="en-US"/>
+          </a:p>
+        </p:txBody>
+      </p:sp>
+      <p:sp>
+        <p:nvSpPr>
+          <p:cNvPr id="11" name="Rectangle 10">
+            <a:extLst>
+              <a:ext uri="{FF2B5EF4-FFF2-40B4-BE49-F238E27FC236}">
+                <a16:creationId xmlns:a16="http://schemas.microsoft.com/office/drawing/2014/main" id="{5624CF9C-FAF6-4BE3-A479-778F668FC37A}"/>
+              </a:ext>
+            </a:extLst>
+          </p:cNvPr>
+          <p:cNvSpPr/>
+          <p:nvPr/>
+        </p:nvSpPr>
+        <p:spPr>
+          <a:xfrm>
+            <a:off x="687191" y="6235104"/>
+            <a:ext cx="4181535" cy="622896"/>
+          </a:xfrm>
+          <a:prstGeom prst="rect">
+            <a:avLst/>
+          </a:prstGeom>
+          <a:noFill/>
+          <a:ln w="25400"/>
+        </p:spPr>
+        <p:style>
+          <a:lnRef idx="2">
+            <a:schemeClr val="accent1">
+              <a:shade val="50000"/>
+            </a:schemeClr>
+          </a:lnRef>
+          <a:fillRef idx="1">
+            <a:schemeClr val="accent1"/>
+          </a:fillRef>
+          <a:effectRef idx="0">
+            <a:schemeClr val="accent1"/>
+          </a:effectRef>
+          <a:fontRef idx="minor">
+            <a:schemeClr val="lt1"/>
+          </a:fontRef>
+        </p:style>
+        <p:txBody>
+          <a:bodyPr rtlCol="0" anchor="ctr"/>
+          <a:lstStyle/>
+          <a:p>
+            <a:pPr algn="ctr"/>
+            <a:r>
+              <a:rPr lang="en-US" dirty="0">
+                <a:solidFill>
+                  <a:schemeClr val="tx1"/>
+                </a:solidFill>
+              </a:rPr>
+              <a:t>Plus something unique from your project… </a:t>
+            </a:r>
           </a:p>
         </p:txBody>
       </p:sp>
     </p:spTree>
     <p:extLst>
       <p:ext uri="{BB962C8B-B14F-4D97-AF65-F5344CB8AC3E}">
-        <p14:creationId xmlns:p14="http://schemas.microsoft.com/office/powerpoint/2010/main" val="4195494050"/>
+        <p14:creationId xmlns:p14="http://schemas.microsoft.com/office/powerpoint/2010/main" val="987681134"/>
       </p:ext>
     </p:extLst>
   </p:cSld>
   <p:clrMapOvr>
     <a:masterClrMapping/>
   </p:clrMapOvr>
+  <p:timing>
+    <p:tnLst>
+      <p:par>
+        <p:cTn id="1" dur="indefinite" restart="never" nodeType="tmRoot">
+          <p:childTnLst>
+            <p:seq concurrent="1" nextAc="seek">
+              <p:cTn id="2" dur="indefinite" nodeType="mainSeq">
+                <p:childTnLst>
+                  <p:par>
+                    <p:cTn id="3" fill="hold">
+                      <p:stCondLst>
+                        <p:cond delay="indefinite"/>
+                      </p:stCondLst>
+                      <p:childTnLst>
+                        <p:par>
+                          <p:cTn id="4" fill="hold">
+                            <p:stCondLst>
+                              <p:cond delay="0"/>
+                            </p:stCondLst>
+                            <p:childTnLst>
+                              <p:par>
+                                <p:cTn id="5" presetID="10" presetClass="entr" presetSubtype="0" fill="hold" grpId="0" nodeType="clickEffect">
+                                  <p:stCondLst>
+                                    <p:cond delay="0"/>
+                                  </p:stCondLst>
+                                  <p:childTnLst>
+                                    <p:set>
+                                      <p:cBhvr>
+                                        <p:cTn id="6" dur="1" fill="hold">
+                                          <p:stCondLst>
+                                            <p:cond delay="0"/>
+                                          </p:stCondLst>
+                                        </p:cTn>
+                                        <p:tgtEl>
+                                          <p:spTgt spid="10"/>
+                                        </p:tgtEl>
+                                        <p:attrNameLst>
+                                          <p:attrName>style.visibility</p:attrName>
+                                        </p:attrNameLst>
+                                      </p:cBhvr>
+                                      <p:to>
+                                        <p:strVal val="visible"/>
+                                      </p:to>
+                                    </p:set>
+                                    <p:animEffect transition="in" filter="fade">
+                                      <p:cBhvr>
+                                        <p:cTn id="7" dur="500"/>
+                                        <p:tgtEl>
+                                          <p:spTgt spid="10"/>
+                                        </p:tgtEl>
+                                      </p:cBhvr>
+                                    </p:animEffect>
+                                  </p:childTnLst>
+                                </p:cTn>
+                              </p:par>
+                            </p:childTnLst>
+                          </p:cTn>
+                        </p:par>
+                      </p:childTnLst>
+                    </p:cTn>
+                  </p:par>
+                  <p:par>
+                    <p:cTn id="8" fill="hold">
+                      <p:stCondLst>
+                        <p:cond delay="indefinite"/>
+                      </p:stCondLst>
+                      <p:childTnLst>
+                        <p:par>
+                          <p:cTn id="9" fill="hold">
+                            <p:stCondLst>
+                              <p:cond delay="0"/>
+                            </p:stCondLst>
+                            <p:childTnLst>
+                              <p:par>
+                                <p:cTn id="10" presetID="10" presetClass="entr" presetSubtype="0" fill="hold" grpId="0" nodeType="clickEffect">
+                                  <p:stCondLst>
+                                    <p:cond delay="0"/>
+                                  </p:stCondLst>
+                                  <p:childTnLst>
+                                    <p:set>
+                                      <p:cBhvr>
+                                        <p:cTn id="11" dur="1" fill="hold">
+                                          <p:stCondLst>
+                                            <p:cond delay="0"/>
+                                          </p:stCondLst>
+                                        </p:cTn>
+                                        <p:tgtEl>
+                                          <p:spTgt spid="7"/>
+                                        </p:tgtEl>
+                                        <p:attrNameLst>
+                                          <p:attrName>style.visibility</p:attrName>
+                                        </p:attrNameLst>
+                                      </p:cBhvr>
+                                      <p:to>
+                                        <p:strVal val="visible"/>
+                                      </p:to>
+                                    </p:set>
+                                    <p:animEffect transition="in" filter="fade">
+                                      <p:cBhvr>
+                                        <p:cTn id="12" dur="500"/>
+                                        <p:tgtEl>
+                                          <p:spTgt spid="7"/>
+                                        </p:tgtEl>
+                                      </p:cBhvr>
+                                    </p:animEffect>
+                                  </p:childTnLst>
+                                </p:cTn>
+                              </p:par>
+                            </p:childTnLst>
+                          </p:cTn>
+                        </p:par>
+                      </p:childTnLst>
+                    </p:cTn>
+                  </p:par>
+                  <p:par>
+                    <p:cTn id="13" fill="hold">
+                      <p:stCondLst>
+                        <p:cond delay="indefinite"/>
+                      </p:stCondLst>
+                      <p:childTnLst>
+                        <p:par>
+                          <p:cTn id="14" fill="hold">
+                            <p:stCondLst>
+                              <p:cond delay="0"/>
+                            </p:stCondLst>
+                            <p:childTnLst>
+                              <p:par>
+                                <p:cTn id="15" presetID="10" presetClass="entr" presetSubtype="0" fill="hold" grpId="0" nodeType="clickEffect">
+                                  <p:stCondLst>
+                                    <p:cond delay="0"/>
+                                  </p:stCondLst>
+                                  <p:childTnLst>
+                                    <p:set>
+                                      <p:cBhvr>
+                                        <p:cTn id="16" dur="1" fill="hold">
+                                          <p:stCondLst>
+                                            <p:cond delay="0"/>
+                                          </p:stCondLst>
+                                        </p:cTn>
+                                        <p:tgtEl>
+                                          <p:spTgt spid="8"/>
+                                        </p:tgtEl>
+                                        <p:attrNameLst>
+                                          <p:attrName>style.visibility</p:attrName>
+                                        </p:attrNameLst>
+                                      </p:cBhvr>
+                                      <p:to>
+                                        <p:strVal val="visible"/>
+                                      </p:to>
+                                    </p:set>
+                                    <p:animEffect transition="in" filter="fade">
+                                      <p:cBhvr>
+                                        <p:cTn id="17" dur="500"/>
+                                        <p:tgtEl>
+                                          <p:spTgt spid="8"/>
+                                        </p:tgtEl>
+                                      </p:cBhvr>
+                                    </p:animEffect>
+                                  </p:childTnLst>
+                                </p:cTn>
+                              </p:par>
+                            </p:childTnLst>
+                          </p:cTn>
+                        </p:par>
+                      </p:childTnLst>
+                    </p:cTn>
+                  </p:par>
+                  <p:par>
+                    <p:cTn id="18" fill="hold">
+                      <p:stCondLst>
+                        <p:cond delay="indefinite"/>
+                      </p:stCondLst>
+                      <p:childTnLst>
+                        <p:par>
+                          <p:cTn id="19" fill="hold">
+                            <p:stCondLst>
+                              <p:cond delay="0"/>
+                            </p:stCondLst>
+                            <p:childTnLst>
+                              <p:par>
+                                <p:cTn id="20" presetID="10" presetClass="entr" presetSubtype="0" fill="hold" grpId="0" nodeType="clickEffect">
+                                  <p:stCondLst>
+                                    <p:cond delay="0"/>
+                                  </p:stCondLst>
+                                  <p:childTnLst>
+                                    <p:set>
+                                      <p:cBhvr>
+                                        <p:cTn id="21" dur="1" fill="hold">
+                                          <p:stCondLst>
+                                            <p:cond delay="0"/>
+                                          </p:stCondLst>
+                                        </p:cTn>
+                                        <p:tgtEl>
+                                          <p:spTgt spid="11"/>
+                                        </p:tgtEl>
+                                        <p:attrNameLst>
+                                          <p:attrName>style.visibility</p:attrName>
+                                        </p:attrNameLst>
+                                      </p:cBhvr>
+                                      <p:to>
+                                        <p:strVal val="visible"/>
+                                      </p:to>
+                                    </p:set>
+                                    <p:animEffect transition="in" filter="fade">
+                                      <p:cBhvr>
+                                        <p:cTn id="22" dur="500"/>
+                                        <p:tgtEl>
+                                          <p:spTgt spid="11"/>
+                                        </p:tgtEl>
+                                      </p:cBhvr>
+                                    </p:animEffect>
+                                  </p:childTnLst>
+                                </p:cTn>
+                              </p:par>
+                            </p:childTnLst>
+                          </p:cTn>
+                        </p:par>
+                      </p:childTnLst>
+                    </p:cTn>
+                  </p:par>
+                </p:childTnLst>
+              </p:cTn>
+              <p:prevCondLst>
+                <p:cond evt="onPrev" delay="0">
+                  <p:tgtEl>
+                    <p:sldTgt/>
+                  </p:tgtEl>
+                </p:cond>
+              </p:prevCondLst>
+              <p:nextCondLst>
+                <p:cond evt="onNext" delay="0">
+                  <p:tgtEl>
+                    <p:sldTgt/>
+                  </p:tgtEl>
+                </p:cond>
+              </p:nextCondLst>
+            </p:seq>
+          </p:childTnLst>
+        </p:cTn>
+      </p:par>
+    </p:tnLst>
+    <p:bldLst>
+      <p:bldP spid="10" grpId="0" animBg="1"/>
+      <p:bldP spid="7" grpId="0" animBg="1"/>
+      <p:bldP spid="8" grpId="0" animBg="1"/>
+      <p:bldP spid="11" grpId="0" animBg="1"/>
+    </p:bldLst>
+  </p:timing>
 </p:sld>
 </file>
 
@@ -5262,6 +6056,149 @@
       </p:grpSpPr>
       <p:sp>
         <p:nvSpPr>
+          <p:cNvPr id="4" name="Title 1">
+            <a:extLst>
+              <a:ext uri="{FF2B5EF4-FFF2-40B4-BE49-F238E27FC236}">
+                <a16:creationId xmlns:a16="http://schemas.microsoft.com/office/drawing/2014/main" id="{527CE47F-3EF6-48CA-9239-E8B6E5C6B41A}"/>
+              </a:ext>
+            </a:extLst>
+          </p:cNvPr>
+          <p:cNvSpPr>
+            <a:spLocks noGrp="1"/>
+          </p:cNvSpPr>
+          <p:nvPr>
+            <p:ph type="title"/>
+          </p:nvPr>
+        </p:nvSpPr>
+        <p:spPr>
+          <a:xfrm>
+            <a:off x="838200" y="365125"/>
+            <a:ext cx="10515600" cy="1325563"/>
+          </a:xfrm>
+        </p:spPr>
+        <p:txBody>
+          <a:bodyPr>
+            <a:normAutofit/>
+          </a:bodyPr>
+          <a:lstStyle/>
+          <a:p>
+            <a:r>
+              <a:rPr lang="en-US" sz="3600" dirty="0"/>
+              <a:t>Assignment by Wednesday, Dec 6</a:t>
+            </a:r>
+          </a:p>
+        </p:txBody>
+      </p:sp>
+      <p:sp>
+        <p:nvSpPr>
+          <p:cNvPr id="5" name="Content Placeholder 2">
+            <a:extLst>
+              <a:ext uri="{FF2B5EF4-FFF2-40B4-BE49-F238E27FC236}">
+                <a16:creationId xmlns:a16="http://schemas.microsoft.com/office/drawing/2014/main" id="{E8F0EA9A-219C-40FD-AE36-784EE1B77D56}"/>
+              </a:ext>
+            </a:extLst>
+          </p:cNvPr>
+          <p:cNvSpPr>
+            <a:spLocks noGrp="1"/>
+          </p:cNvSpPr>
+          <p:nvPr>
+            <p:ph idx="1"/>
+          </p:nvPr>
+        </p:nvSpPr>
+        <p:spPr>
+          <a:xfrm>
+            <a:off x="838198" y="1525772"/>
+            <a:ext cx="10515601" cy="4651191"/>
+          </a:xfrm>
+        </p:spPr>
+        <p:txBody>
+          <a:bodyPr>
+            <a:normAutofit/>
+          </a:bodyPr>
+          <a:lstStyle/>
+          <a:p>
+            <a:pPr marL="0" indent="0">
+              <a:spcBef>
+                <a:spcPts val="4800"/>
+              </a:spcBef>
+              <a:buNone/>
+            </a:pPr>
+            <a:r>
+              <a:rPr lang="en-US" sz="2000" u="sng" dirty="0"/>
+              <a:t>Assignment:</a:t>
+            </a:r>
+            <a:endParaRPr lang="en-US" sz="2000" dirty="0"/>
+          </a:p>
+          <a:p>
+            <a:r>
+              <a:rPr lang="en-US" sz="2000" dirty="0"/>
+              <a:t>Verify the you can access Final Exam Study Guide… let’s do that now</a:t>
+            </a:r>
+          </a:p>
+          <a:p>
+            <a:r>
+              <a:rPr lang="en-US" sz="2000" dirty="0"/>
+              <a:t>Signup for a Project 5 review timeslot for Friday… if you are not already presenting in class</a:t>
+            </a:r>
+          </a:p>
+          <a:p>
+            <a:r>
+              <a:rPr lang="en-US" sz="2000" dirty="0"/>
+              <a:t>Continue to focus on Project 5… which is due one week from today</a:t>
+            </a:r>
+          </a:p>
+          <a:p>
+            <a:r>
+              <a:rPr lang="en-US" sz="2000" dirty="0"/>
+              <a:t>Review Cloud Computing and MapReduce slides</a:t>
+            </a:r>
+          </a:p>
+          <a:p>
+            <a:pPr marL="0" indent="0">
+              <a:buNone/>
+            </a:pPr>
+            <a:endParaRPr lang="en-US" sz="2000" dirty="0"/>
+          </a:p>
+          <a:p>
+            <a:pPr marL="0" indent="0">
+              <a:buNone/>
+            </a:pPr>
+            <a:endParaRPr lang="en-US" sz="2000" dirty="0"/>
+          </a:p>
+        </p:txBody>
+      </p:sp>
+    </p:spTree>
+    <p:extLst>
+      <p:ext uri="{BB962C8B-B14F-4D97-AF65-F5344CB8AC3E}">
+        <p14:creationId xmlns:p14="http://schemas.microsoft.com/office/powerpoint/2010/main" val="4195494050"/>
+      </p:ext>
+    </p:extLst>
+  </p:cSld>
+  <p:clrMapOvr>
+    <a:masterClrMapping/>
+  </p:clrMapOvr>
+</p:sld>
+</file>
+
+<file path=ppt/slides/slide8.xml><?xml version="1.0" encoding="utf-8"?>
+<p:sld xmlns:a="http://schemas.openxmlformats.org/drawingml/2006/main" xmlns:r="http://schemas.openxmlformats.org/officeDocument/2006/relationships" xmlns:p="http://schemas.openxmlformats.org/presentationml/2006/main">
+  <p:cSld>
+    <p:spTree>
+      <p:nvGrpSpPr>
+        <p:cNvPr id="1" name=""/>
+        <p:cNvGrpSpPr/>
+        <p:nvPr/>
+      </p:nvGrpSpPr>
+      <p:grpSpPr>
+        <a:xfrm>
+          <a:off x="0" y="0"/>
+          <a:ext cx="0" cy="0"/>
+          <a:chOff x="0" y="0"/>
+          <a:chExt cx="0" cy="0"/>
+        </a:xfrm>
+      </p:grpSpPr>
+      <p:sp>
+        <p:nvSpPr>
           <p:cNvPr id="2" name="Title 1"/>
           <p:cNvSpPr>
             <a:spLocks noGrp="1"/>
@@ -5305,7 +6242,7 @@
 </p:sld>
 </file>
 
-<file path=ppt/slides/slide8.xml><?xml version="1.0" encoding="utf-8"?>
+<file path=ppt/slides/slide9.xml><?xml version="1.0" encoding="utf-8"?>
 <p:sld xmlns:a="http://schemas.openxmlformats.org/drawingml/2006/main" xmlns:r="http://schemas.openxmlformats.org/officeDocument/2006/relationships" xmlns:p="http://schemas.openxmlformats.org/presentationml/2006/main">
   <p:cSld>
     <p:bg>
@@ -5402,166 +6339,6 @@
     <p:extLst>
       <p:ext uri="{BB962C8B-B14F-4D97-AF65-F5344CB8AC3E}">
         <p14:creationId xmlns:p14="http://schemas.microsoft.com/office/powerpoint/2010/main" val="1130818612"/>
-      </p:ext>
-    </p:extLst>
-  </p:cSld>
-  <p:clrMapOvr>
-    <a:masterClrMapping/>
-  </p:clrMapOvr>
-</p:sld>
-</file>
-
-<file path=ppt/slides/slide9.xml><?xml version="1.0" encoding="utf-8"?>
-<p:sld xmlns:a="http://schemas.openxmlformats.org/drawingml/2006/main" xmlns:r="http://schemas.openxmlformats.org/officeDocument/2006/relationships" xmlns:p="http://schemas.openxmlformats.org/presentationml/2006/main">
-  <p:cSld>
-    <p:spTree>
-      <p:nvGrpSpPr>
-        <p:cNvPr id="1" name=""/>
-        <p:cNvGrpSpPr/>
-        <p:nvPr/>
-      </p:nvGrpSpPr>
-      <p:grpSpPr>
-        <a:xfrm>
-          <a:off x="0" y="0"/>
-          <a:ext cx="0" cy="0"/>
-          <a:chOff x="0" y="0"/>
-          <a:chExt cx="0" cy="0"/>
-        </a:xfrm>
-      </p:grpSpPr>
-      <p:sp>
-        <p:nvSpPr>
-          <p:cNvPr id="4" name="Title 1">
-            <a:extLst>
-              <a:ext uri="{FF2B5EF4-FFF2-40B4-BE49-F238E27FC236}">
-                <a16:creationId xmlns:a16="http://schemas.microsoft.com/office/drawing/2014/main" id="{527CE47F-3EF6-48CA-9239-E8B6E5C6B41A}"/>
-              </a:ext>
-            </a:extLst>
-          </p:cNvPr>
-          <p:cNvSpPr>
-            <a:spLocks noGrp="1"/>
-          </p:cNvSpPr>
-          <p:nvPr>
-            <p:ph type="title"/>
-          </p:nvPr>
-        </p:nvSpPr>
-        <p:spPr>
-          <a:xfrm>
-            <a:off x="838200" y="365125"/>
-            <a:ext cx="10515600" cy="1325563"/>
-          </a:xfrm>
-        </p:spPr>
-        <p:txBody>
-          <a:bodyPr>
-            <a:normAutofit/>
-          </a:bodyPr>
-          <a:lstStyle/>
-          <a:p>
-            <a:r>
-              <a:rPr lang="en-US" sz="3600" dirty="0"/>
-              <a:t>Assignment by Friday, Dec 1</a:t>
-            </a:r>
-          </a:p>
-        </p:txBody>
-      </p:sp>
-      <p:sp>
-        <p:nvSpPr>
-          <p:cNvPr id="5" name="Content Placeholder 2">
-            <a:extLst>
-              <a:ext uri="{FF2B5EF4-FFF2-40B4-BE49-F238E27FC236}">
-                <a16:creationId xmlns:a16="http://schemas.microsoft.com/office/drawing/2014/main" id="{E8F0EA9A-219C-40FD-AE36-784EE1B77D56}"/>
-              </a:ext>
-            </a:extLst>
-          </p:cNvPr>
-          <p:cNvSpPr>
-            <a:spLocks noGrp="1"/>
-          </p:cNvSpPr>
-          <p:nvPr>
-            <p:ph idx="1"/>
-          </p:nvPr>
-        </p:nvSpPr>
-        <p:spPr>
-          <a:xfrm>
-            <a:off x="838198" y="1525772"/>
-            <a:ext cx="10515601" cy="4651191"/>
-          </a:xfrm>
-        </p:spPr>
-        <p:txBody>
-          <a:bodyPr>
-            <a:normAutofit/>
-          </a:bodyPr>
-          <a:lstStyle/>
-          <a:p>
-            <a:pPr marL="0" indent="0">
-              <a:spcBef>
-                <a:spcPts val="4800"/>
-              </a:spcBef>
-              <a:buNone/>
-            </a:pPr>
-            <a:r>
-              <a:rPr lang="en-US" sz="2000" u="sng" dirty="0"/>
-              <a:t>Assignment:</a:t>
-            </a:r>
-            <a:endParaRPr lang="en-US" sz="2000" dirty="0"/>
-          </a:p>
-          <a:p>
-            <a:r>
-              <a:rPr lang="en-US" sz="2000" dirty="0"/>
-              <a:t>Ch.13.1 to 13.6 on Web Application access to Databases</a:t>
-            </a:r>
-          </a:p>
-          <a:p>
-            <a:r>
-              <a:rPr lang="en-US" sz="2000" dirty="0"/>
-              <a:t>Work on Project 5 &amp; Labs</a:t>
-            </a:r>
-          </a:p>
-          <a:p>
-            <a:r>
-              <a:rPr lang="en-US" sz="2000" dirty="0"/>
-              <a:t>Complete </a:t>
-            </a:r>
-          </a:p>
-          <a:p>
-            <a:pPr marL="0" indent="0">
-              <a:buNone/>
-            </a:pPr>
-            <a:r>
-              <a:rPr lang="en-US" sz="2000" dirty="0"/>
-              <a:t>	Week 12 Lab: Static Website in Azure</a:t>
-            </a:r>
-          </a:p>
-          <a:p>
-            <a:pPr marL="0" indent="0">
-              <a:buNone/>
-            </a:pPr>
-            <a:r>
-              <a:rPr lang="en-US" sz="2000" dirty="0"/>
-              <a:t>	Week 13a Lab: Create a </a:t>
-            </a:r>
-            <a:r>
-              <a:rPr lang="nl-NL" sz="2000" dirty="0"/>
-              <a:t>Node.js web in Azure OR</a:t>
-            </a:r>
-          </a:p>
-          <a:p>
-            <a:pPr marL="0" indent="0">
-              <a:buNone/>
-            </a:pPr>
-            <a:r>
-              <a:rPr lang="nl-NL" sz="2000" dirty="0"/>
-              <a:t>	</a:t>
-            </a:r>
-            <a:r>
-              <a:rPr lang="en-US" sz="2000" dirty="0"/>
-              <a:t>Week 13b Lab: Create a PHP web app in Azure </a:t>
-            </a:r>
-          </a:p>
-        </p:txBody>
-      </p:sp>
-    </p:spTree>
-    <p:extLst>
-      <p:ext uri="{BB962C8B-B14F-4D97-AF65-F5344CB8AC3E}">
-        <p14:creationId xmlns:p14="http://schemas.microsoft.com/office/powerpoint/2010/main" val="892811373"/>
       </p:ext>
     </p:extLst>
   </p:cSld>

--- a/CPSC-24700/Presentations/session-39.pptx
+++ b/CPSC-24700/Presentations/session-39.pptx
@@ -1118,7 +1118,7 @@
           </a:p>
           <a:p>
             <a:r>
-              <a:rPr lang="en-US" sz="1200" b="0" i="0" kern="1200">
+              <a:rPr lang="en-US" sz="1200" b="0" i="0" kern="1200" dirty="0">
                 <a:solidFill>
                   <a:schemeClr val="tx1"/>
                 </a:solidFill>
@@ -1130,7 +1130,7 @@
               </a:rPr>
               <a:t>http://myejp-meanjs.azurewebsites.net/</a:t>
             </a:r>
-            <a:endParaRPr lang="en-US" sz="1200" b="0" i="0" kern="1200">
+            <a:endParaRPr lang="en-US" sz="1200" b="0" i="0" kern="1200" dirty="0">
               <a:solidFill>
                 <a:schemeClr val="tx1"/>
               </a:solidFill>
